--- a/2020-06-18_IPCD_paper_figures_cyz.pptx
+++ b/2020-06-18_IPCD_paper_figures_cyz.pptx
@@ -208,7 +208,7 @@
           <a:p>
             <a:fld id="{739E4E7D-FD75-4935-9901-81C3362D4E06}" type="datetimeFigureOut">
               <a:rPr lang="en-US" smtClean="0"/>
-              <a:t>6/17/2020</a:t>
+              <a:t>11/2/2020</a:t>
             </a:fld>
             <a:endParaRPr lang="en-US"/>
           </a:p>
@@ -1349,7 +1349,7 @@
           <a:p>
             <a:fld id="{320157CA-D534-4448-9E75-65DFC58F43C2}" type="datetimeFigureOut">
               <a:rPr lang="en-US" smtClean="0"/>
-              <a:t>6/17/2020</a:t>
+              <a:t>11/2/2020</a:t>
             </a:fld>
             <a:endParaRPr lang="en-US"/>
           </a:p>
@@ -1547,7 +1547,7 @@
           <a:p>
             <a:fld id="{320157CA-D534-4448-9E75-65DFC58F43C2}" type="datetimeFigureOut">
               <a:rPr lang="en-US" smtClean="0"/>
-              <a:t>6/17/2020</a:t>
+              <a:t>11/2/2020</a:t>
             </a:fld>
             <a:endParaRPr lang="en-US"/>
           </a:p>
@@ -1755,7 +1755,7 @@
           <a:p>
             <a:fld id="{320157CA-D534-4448-9E75-65DFC58F43C2}" type="datetimeFigureOut">
               <a:rPr lang="en-US" smtClean="0"/>
-              <a:t>6/17/2020</a:t>
+              <a:t>11/2/2020</a:t>
             </a:fld>
             <a:endParaRPr lang="en-US"/>
           </a:p>
@@ -1953,7 +1953,7 @@
           <a:p>
             <a:fld id="{320157CA-D534-4448-9E75-65DFC58F43C2}" type="datetimeFigureOut">
               <a:rPr lang="en-US" smtClean="0"/>
-              <a:t>6/17/2020</a:t>
+              <a:t>11/2/2020</a:t>
             </a:fld>
             <a:endParaRPr lang="en-US"/>
           </a:p>
@@ -2228,7 +2228,7 @@
           <a:p>
             <a:fld id="{320157CA-D534-4448-9E75-65DFC58F43C2}" type="datetimeFigureOut">
               <a:rPr lang="en-US" smtClean="0"/>
-              <a:t>6/17/2020</a:t>
+              <a:t>11/2/2020</a:t>
             </a:fld>
             <a:endParaRPr lang="en-US"/>
           </a:p>
@@ -2493,7 +2493,7 @@
           <a:p>
             <a:fld id="{320157CA-D534-4448-9E75-65DFC58F43C2}" type="datetimeFigureOut">
               <a:rPr lang="en-US" smtClean="0"/>
-              <a:t>6/17/2020</a:t>
+              <a:t>11/2/2020</a:t>
             </a:fld>
             <a:endParaRPr lang="en-US"/>
           </a:p>
@@ -2905,7 +2905,7 @@
           <a:p>
             <a:fld id="{320157CA-D534-4448-9E75-65DFC58F43C2}" type="datetimeFigureOut">
               <a:rPr lang="en-US" smtClean="0"/>
-              <a:t>6/17/2020</a:t>
+              <a:t>11/2/2020</a:t>
             </a:fld>
             <a:endParaRPr lang="en-US"/>
           </a:p>
@@ -3046,7 +3046,7 @@
           <a:p>
             <a:fld id="{320157CA-D534-4448-9E75-65DFC58F43C2}" type="datetimeFigureOut">
               <a:rPr lang="en-US" smtClean="0"/>
-              <a:t>6/17/2020</a:t>
+              <a:t>11/2/2020</a:t>
             </a:fld>
             <a:endParaRPr lang="en-US"/>
           </a:p>
@@ -3159,7 +3159,7 @@
           <a:p>
             <a:fld id="{320157CA-D534-4448-9E75-65DFC58F43C2}" type="datetimeFigureOut">
               <a:rPr lang="en-US" smtClean="0"/>
-              <a:t>6/17/2020</a:t>
+              <a:t>11/2/2020</a:t>
             </a:fld>
             <a:endParaRPr lang="en-US"/>
           </a:p>
@@ -3470,7 +3470,7 @@
           <a:p>
             <a:fld id="{320157CA-D534-4448-9E75-65DFC58F43C2}" type="datetimeFigureOut">
               <a:rPr lang="en-US" smtClean="0"/>
-              <a:t>6/17/2020</a:t>
+              <a:t>11/2/2020</a:t>
             </a:fld>
             <a:endParaRPr lang="en-US"/>
           </a:p>
@@ -3758,7 +3758,7 @@
           <a:p>
             <a:fld id="{320157CA-D534-4448-9E75-65DFC58F43C2}" type="datetimeFigureOut">
               <a:rPr lang="en-US" smtClean="0"/>
-              <a:t>6/17/2020</a:t>
+              <a:t>11/2/2020</a:t>
             </a:fld>
             <a:endParaRPr lang="en-US"/>
           </a:p>
@@ -3999,7 +3999,7 @@
           <a:p>
             <a:fld id="{320157CA-D534-4448-9E75-65DFC58F43C2}" type="datetimeFigureOut">
               <a:rPr lang="en-US" smtClean="0"/>
-              <a:t>6/17/2020</a:t>
+              <a:t>11/2/2020</a:t>
             </a:fld>
             <a:endParaRPr lang="en-US"/>
           </a:p>
